--- a/Architecture.pptx
+++ b/Architecture.pptx
@@ -6,6 +6,7 @@
   </p:sldMasterIdLst>
   <p:sldIdLst>
     <p:sldId id="256" r:id="rId2"/>
+    <p:sldId id="257" r:id="rId3"/>
   </p:sldIdLst>
   <p:sldSz cx="12192000" cy="6858000"/>
   <p:notesSz cx="6858000" cy="9144000"/>
@@ -261,7 +262,7 @@
           <a:p>
             <a:fld id="{F899CD3F-EBDD-48A1-8083-4FA5D7165ECE}" type="datetimeFigureOut">
               <a:rPr lang="en-IN" smtClean="0"/>
-              <a:t>04-05-2021</a:t>
+              <a:t>06-05-2021</a:t>
             </a:fld>
             <a:endParaRPr lang="en-IN"/>
           </a:p>
@@ -461,7 +462,7 @@
           <a:p>
             <a:fld id="{F899CD3F-EBDD-48A1-8083-4FA5D7165ECE}" type="datetimeFigureOut">
               <a:rPr lang="en-IN" smtClean="0"/>
-              <a:t>04-05-2021</a:t>
+              <a:t>06-05-2021</a:t>
             </a:fld>
             <a:endParaRPr lang="en-IN"/>
           </a:p>
@@ -671,7 +672,7 @@
           <a:p>
             <a:fld id="{F899CD3F-EBDD-48A1-8083-4FA5D7165ECE}" type="datetimeFigureOut">
               <a:rPr lang="en-IN" smtClean="0"/>
-              <a:t>04-05-2021</a:t>
+              <a:t>06-05-2021</a:t>
             </a:fld>
             <a:endParaRPr lang="en-IN"/>
           </a:p>
@@ -871,7 +872,7 @@
           <a:p>
             <a:fld id="{F899CD3F-EBDD-48A1-8083-4FA5D7165ECE}" type="datetimeFigureOut">
               <a:rPr lang="en-IN" smtClean="0"/>
-              <a:t>04-05-2021</a:t>
+              <a:t>06-05-2021</a:t>
             </a:fld>
             <a:endParaRPr lang="en-IN"/>
           </a:p>
@@ -1147,7 +1148,7 @@
           <a:p>
             <a:fld id="{F899CD3F-EBDD-48A1-8083-4FA5D7165ECE}" type="datetimeFigureOut">
               <a:rPr lang="en-IN" smtClean="0"/>
-              <a:t>04-05-2021</a:t>
+              <a:t>06-05-2021</a:t>
             </a:fld>
             <a:endParaRPr lang="en-IN"/>
           </a:p>
@@ -1415,7 +1416,7 @@
           <a:p>
             <a:fld id="{F899CD3F-EBDD-48A1-8083-4FA5D7165ECE}" type="datetimeFigureOut">
               <a:rPr lang="en-IN" smtClean="0"/>
-              <a:t>04-05-2021</a:t>
+              <a:t>06-05-2021</a:t>
             </a:fld>
             <a:endParaRPr lang="en-IN"/>
           </a:p>
@@ -1830,7 +1831,7 @@
           <a:p>
             <a:fld id="{F899CD3F-EBDD-48A1-8083-4FA5D7165ECE}" type="datetimeFigureOut">
               <a:rPr lang="en-IN" smtClean="0"/>
-              <a:t>04-05-2021</a:t>
+              <a:t>06-05-2021</a:t>
             </a:fld>
             <a:endParaRPr lang="en-IN"/>
           </a:p>
@@ -1972,7 +1973,7 @@
           <a:p>
             <a:fld id="{F899CD3F-EBDD-48A1-8083-4FA5D7165ECE}" type="datetimeFigureOut">
               <a:rPr lang="en-IN" smtClean="0"/>
-              <a:t>04-05-2021</a:t>
+              <a:t>06-05-2021</a:t>
             </a:fld>
             <a:endParaRPr lang="en-IN"/>
           </a:p>
@@ -2085,7 +2086,7 @@
           <a:p>
             <a:fld id="{F899CD3F-EBDD-48A1-8083-4FA5D7165ECE}" type="datetimeFigureOut">
               <a:rPr lang="en-IN" smtClean="0"/>
-              <a:t>04-05-2021</a:t>
+              <a:t>06-05-2021</a:t>
             </a:fld>
             <a:endParaRPr lang="en-IN"/>
           </a:p>
@@ -2398,7 +2399,7 @@
           <a:p>
             <a:fld id="{F899CD3F-EBDD-48A1-8083-4FA5D7165ECE}" type="datetimeFigureOut">
               <a:rPr lang="en-IN" smtClean="0"/>
-              <a:t>04-05-2021</a:t>
+              <a:t>06-05-2021</a:t>
             </a:fld>
             <a:endParaRPr lang="en-IN"/>
           </a:p>
@@ -2687,7 +2688,7 @@
           <a:p>
             <a:fld id="{F899CD3F-EBDD-48A1-8083-4FA5D7165ECE}" type="datetimeFigureOut">
               <a:rPr lang="en-IN" smtClean="0"/>
-              <a:t>04-05-2021</a:t>
+              <a:t>06-05-2021</a:t>
             </a:fld>
             <a:endParaRPr lang="en-IN"/>
           </a:p>
@@ -2930,7 +2931,7 @@
           <a:p>
             <a:fld id="{F899CD3F-EBDD-48A1-8083-4FA5D7165ECE}" type="datetimeFigureOut">
               <a:rPr lang="en-IN" smtClean="0"/>
-              <a:t>04-05-2021</a:t>
+              <a:t>06-05-2021</a:t>
             </a:fld>
             <a:endParaRPr lang="en-IN"/>
           </a:p>
@@ -3423,8 +3424,8 @@
         </p:blipFill>
         <p:spPr bwMode="auto">
           <a:xfrm>
-            <a:off x="2364489" y="1888183"/>
-            <a:ext cx="953650" cy="953650"/>
+            <a:off x="2398937" y="1661329"/>
+            <a:ext cx="733504" cy="733504"/>
           </a:xfrm>
           <a:prstGeom prst="rect">
             <a:avLst/>
@@ -3635,89 +3636,6 @@
           </a:prstGeom>
         </p:spPr>
       </p:pic>
-      <p:pic>
-        <p:nvPicPr>
-          <p:cNvPr id="12" name="Picture 11" descr="Shape&#10;&#10;Description automatically generated">
-            <a:extLst>
-              <a:ext uri="{FF2B5EF4-FFF2-40B4-BE49-F238E27FC236}">
-                <a16:creationId xmlns:a16="http://schemas.microsoft.com/office/drawing/2014/main" id="{E9F1B262-9C94-4469-9F03-109F3700770B}"/>
-              </a:ext>
-            </a:extLst>
-          </p:cNvPr>
-          <p:cNvPicPr>
-            <a:picLocks noChangeAspect="1"/>
-          </p:cNvPicPr>
-          <p:nvPr/>
-        </p:nvPicPr>
-        <p:blipFill>
-          <a:blip r:embed="rId6">
-            <a:extLst>
-              <a:ext uri="{28A0092B-C50C-407E-A947-70E740481C1C}">
-                <a14:useLocalDpi xmlns:a14="http://schemas.microsoft.com/office/drawing/2010/main" val="0"/>
-              </a:ext>
-            </a:extLst>
-          </a:blip>
-          <a:stretch>
-            <a:fillRect/>
-          </a:stretch>
-        </p:blipFill>
-        <p:spPr>
-          <a:xfrm>
-            <a:off x="757773" y="4873128"/>
-            <a:ext cx="1606716" cy="1531311"/>
-          </a:xfrm>
-          <a:prstGeom prst="rect">
-            <a:avLst/>
-          </a:prstGeom>
-        </p:spPr>
-      </p:pic>
-      <p:pic>
-        <p:nvPicPr>
-          <p:cNvPr id="1034" name="Picture 10" descr="Amazon S3 storage classes | by AWS and More | Medium">
-            <a:extLst>
-              <a:ext uri="{FF2B5EF4-FFF2-40B4-BE49-F238E27FC236}">
-                <a16:creationId xmlns:a16="http://schemas.microsoft.com/office/drawing/2014/main" id="{A51E45AA-B93E-475E-90D9-3C15127B6552}"/>
-              </a:ext>
-            </a:extLst>
-          </p:cNvPr>
-          <p:cNvPicPr>
-            <a:picLocks noChangeAspect="1" noChangeArrowheads="1"/>
-          </p:cNvPicPr>
-          <p:nvPr/>
-        </p:nvPicPr>
-        <p:blipFill>
-          <a:blip r:embed="rId7">
-            <a:extLst>
-              <a:ext uri="{28A0092B-C50C-407E-A947-70E740481C1C}">
-                <a14:useLocalDpi xmlns:a14="http://schemas.microsoft.com/office/drawing/2010/main" val="0"/>
-              </a:ext>
-            </a:extLst>
-          </a:blip>
-          <a:srcRect/>
-          <a:stretch>
-            <a:fillRect/>
-          </a:stretch>
-        </p:blipFill>
-        <p:spPr bwMode="auto">
-          <a:xfrm>
-            <a:off x="5018983" y="5398039"/>
-            <a:ext cx="1068057" cy="1062155"/>
-          </a:xfrm>
-          <a:prstGeom prst="rect">
-            <a:avLst/>
-          </a:prstGeom>
-          <a:noFill/>
-          <a:extLst>
-            <a:ext uri="{909E8E84-426E-40DD-AFC4-6F175D3DCCD1}">
-              <a14:hiddenFill xmlns:a14="http://schemas.microsoft.com/office/drawing/2010/main">
-                <a:solidFill>
-                  <a:srgbClr val="FFFFFF"/>
-                </a:solidFill>
-              </a14:hiddenFill>
-            </a:ext>
-          </a:extLst>
-        </p:spPr>
-      </p:pic>
       <p:sp>
         <p:nvSpPr>
           <p:cNvPr id="13" name="Rectangle: Rounded Corners 12">
@@ -3866,74 +3784,27 @@
           </a:p>
         </p:txBody>
       </p:sp>
-      <p:pic>
-        <p:nvPicPr>
-          <p:cNvPr id="26" name="Picture 10" descr="Amazon S3 storage classes | by AWS and More | Medium">
-            <a:extLst>
-              <a:ext uri="{FF2B5EF4-FFF2-40B4-BE49-F238E27FC236}">
-                <a16:creationId xmlns:a16="http://schemas.microsoft.com/office/drawing/2014/main" id="{51310F9C-0782-4B80-8CFB-F4BE71F07F7B}"/>
-              </a:ext>
-            </a:extLst>
-          </p:cNvPr>
-          <p:cNvPicPr>
-            <a:picLocks noChangeAspect="1" noChangeArrowheads="1"/>
-          </p:cNvPicPr>
+      <p:sp>
+        <p:nvSpPr>
+          <p:cNvPr id="15" name="TextBox 14">
+            <a:extLst>
+              <a:ext uri="{FF2B5EF4-FFF2-40B4-BE49-F238E27FC236}">
+                <a16:creationId xmlns:a16="http://schemas.microsoft.com/office/drawing/2014/main" id="{5F1EEB87-6333-418C-859F-D22C5ECDFAC0}"/>
+              </a:ext>
+            </a:extLst>
+          </p:cNvPr>
+          <p:cNvSpPr txBox="1"/>
           <p:nvPr/>
-        </p:nvPicPr>
-        <p:blipFill>
-          <a:blip r:embed="rId7">
-            <a:extLst>
-              <a:ext uri="{28A0092B-C50C-407E-A947-70E740481C1C}">
-                <a14:useLocalDpi xmlns:a14="http://schemas.microsoft.com/office/drawing/2010/main" val="0"/>
-              </a:ext>
-            </a:extLst>
-          </a:blip>
-          <a:srcRect/>
-          <a:stretch>
-            <a:fillRect/>
-          </a:stretch>
-        </p:blipFill>
-        <p:spPr bwMode="auto">
+        </p:nvSpPr>
+        <p:spPr>
           <a:xfrm>
-            <a:off x="3814570" y="5533563"/>
-            <a:ext cx="664790" cy="661117"/>
+            <a:off x="3542210" y="6165614"/>
+            <a:ext cx="1766735" cy="523220"/>
           </a:xfrm>
           <a:prstGeom prst="rect">
             <a:avLst/>
           </a:prstGeom>
           <a:noFill/>
-          <a:extLst>
-            <a:ext uri="{909E8E84-426E-40DD-AFC4-6F175D3DCCD1}">
-              <a14:hiddenFill xmlns:a14="http://schemas.microsoft.com/office/drawing/2010/main">
-                <a:solidFill>
-                  <a:srgbClr val="FFFFFF"/>
-                </a:solidFill>
-              </a14:hiddenFill>
-            </a:ext>
-          </a:extLst>
-        </p:spPr>
-      </p:pic>
-      <p:sp>
-        <p:nvSpPr>
-          <p:cNvPr id="15" name="TextBox 14">
-            <a:extLst>
-              <a:ext uri="{FF2B5EF4-FFF2-40B4-BE49-F238E27FC236}">
-                <a16:creationId xmlns:a16="http://schemas.microsoft.com/office/drawing/2014/main" id="{5F1EEB87-6333-418C-859F-D22C5ECDFAC0}"/>
-              </a:ext>
-            </a:extLst>
-          </p:cNvPr>
-          <p:cNvSpPr txBox="1"/>
-          <p:nvPr/>
-        </p:nvSpPr>
-        <p:spPr>
-          <a:xfrm>
-            <a:off x="3714160" y="6165130"/>
-            <a:ext cx="1766735" cy="520938"/>
-          </a:xfrm>
-          <a:prstGeom prst="rect">
-            <a:avLst/>
-          </a:prstGeom>
-          <a:noFill/>
         </p:spPr>
         <p:txBody>
           <a:bodyPr wrap="square" rtlCol="0">
@@ -3943,13 +3814,13 @@
           <a:p>
             <a:r>
               <a:rPr lang="en-IN" sz="1400" dirty="0"/>
-              <a:t>S3 Custom </a:t>
+              <a:t>Custom Metrics</a:t>
             </a:r>
           </a:p>
           <a:p>
             <a:r>
               <a:rPr lang="en-IN" sz="1400" dirty="0"/>
-              <a:t>Metrics Repo</a:t>
+              <a:t>       Repo</a:t>
             </a:r>
           </a:p>
         </p:txBody>
@@ -3970,8 +3841,8 @@
         </p:nvCxnSpPr>
         <p:spPr>
           <a:xfrm flipH="1">
-            <a:off x="2146590" y="5836820"/>
-            <a:ext cx="1667979" cy="0"/>
+            <a:off x="3195961" y="5836820"/>
+            <a:ext cx="618609" cy="0"/>
           </a:xfrm>
           <a:prstGeom prst="straightConnector1">
             <a:avLst/>
@@ -4177,8 +4048,8 @@
         </p:nvCxnSpPr>
         <p:spPr>
           <a:xfrm>
-            <a:off x="1581673" y="2069666"/>
-            <a:ext cx="737321" cy="13658"/>
+            <a:off x="1643234" y="1852319"/>
+            <a:ext cx="618609" cy="0"/>
           </a:xfrm>
           <a:prstGeom prst="straightConnector1">
             <a:avLst/>
@@ -4278,41 +4149,6 @@
           </a:p>
         </p:txBody>
       </p:sp>
-      <p:sp>
-        <p:nvSpPr>
-          <p:cNvPr id="54" name="TextBox 53">
-            <a:extLst>
-              <a:ext uri="{FF2B5EF4-FFF2-40B4-BE49-F238E27FC236}">
-                <a16:creationId xmlns:a16="http://schemas.microsoft.com/office/drawing/2014/main" id="{03BF3ECF-C34D-4DFE-8E1C-70600DF892C2}"/>
-              </a:ext>
-            </a:extLst>
-          </p:cNvPr>
-          <p:cNvSpPr txBox="1"/>
-          <p:nvPr/>
-        </p:nvSpPr>
-        <p:spPr>
-          <a:xfrm>
-            <a:off x="946646" y="6317530"/>
-            <a:ext cx="1766735" cy="307777"/>
-          </a:xfrm>
-          <a:prstGeom prst="rect">
-            <a:avLst/>
-          </a:prstGeom>
-          <a:noFill/>
-        </p:spPr>
-        <p:txBody>
-          <a:bodyPr wrap="square" rtlCol="0">
-            <a:spAutoFit/>
-          </a:bodyPr>
-          <a:lstStyle/>
-          <a:p>
-            <a:r>
-              <a:rPr lang="en-IN" sz="1400" dirty="0"/>
-              <a:t>Output / BI</a:t>
-            </a:r>
-          </a:p>
-        </p:txBody>
-      </p:sp>
       <p:cxnSp>
         <p:nvCxnSpPr>
           <p:cNvPr id="44" name="Connector: Elbow 43">
@@ -4398,53 +4234,6 @@
           </a:fontRef>
         </p:style>
       </p:cxnSp>
-      <p:pic>
-        <p:nvPicPr>
-          <p:cNvPr id="34" name="Picture 6" descr="Deploy Deep Learning Models in AWS using AWS Lambda + AWS API gateway + AWS  Elastic File System. (Part — 3) | by Balakrishnakumar V | DataDrivenInvestor">
-            <a:extLst>
-              <a:ext uri="{FF2B5EF4-FFF2-40B4-BE49-F238E27FC236}">
-                <a16:creationId xmlns:a16="http://schemas.microsoft.com/office/drawing/2014/main" id="{CD784743-2237-42C4-BC64-71BE86803E4F}"/>
-              </a:ext>
-            </a:extLst>
-          </p:cNvPr>
-          <p:cNvPicPr>
-            <a:picLocks noChangeAspect="1" noChangeArrowheads="1"/>
-          </p:cNvPicPr>
-          <p:nvPr/>
-        </p:nvPicPr>
-        <p:blipFill>
-          <a:blip r:embed="rId2">
-            <a:extLst>
-              <a:ext uri="{28A0092B-C50C-407E-A947-70E740481C1C}">
-                <a14:useLocalDpi xmlns:a14="http://schemas.microsoft.com/office/drawing/2010/main" val="0"/>
-              </a:ext>
-            </a:extLst>
-          </a:blip>
-          <a:srcRect/>
-          <a:stretch>
-            <a:fillRect/>
-          </a:stretch>
-        </p:blipFill>
-        <p:spPr bwMode="auto">
-          <a:xfrm>
-            <a:off x="5694939" y="580827"/>
-            <a:ext cx="1281052" cy="882117"/>
-          </a:xfrm>
-          <a:prstGeom prst="rect">
-            <a:avLst/>
-          </a:prstGeom>
-          <a:noFill/>
-          <a:extLst>
-            <a:ext uri="{909E8E84-426E-40DD-AFC4-6F175D3DCCD1}">
-              <a14:hiddenFill xmlns:a14="http://schemas.microsoft.com/office/drawing/2010/main">
-                <a:solidFill>
-                  <a:srgbClr val="FFFFFF"/>
-                </a:solidFill>
-              </a14:hiddenFill>
-            </a:ext>
-          </a:extLst>
-        </p:spPr>
-      </p:pic>
       <p:cxnSp>
         <p:nvCxnSpPr>
           <p:cNvPr id="36" name="Straight Arrow Connector 35">
@@ -4460,9 +4249,9 @@
           <p:nvPr/>
         </p:nvCxnSpPr>
         <p:spPr>
-          <a:xfrm flipV="1">
-            <a:off x="5586156" y="950161"/>
-            <a:ext cx="574947" cy="3574"/>
+          <a:xfrm>
+            <a:off x="5586156" y="953735"/>
+            <a:ext cx="1670031" cy="0"/>
           </a:xfrm>
           <a:prstGeom prst="straightConnector1">
             <a:avLst/>
@@ -4486,109 +4275,146 @@
           </a:fontRef>
         </p:style>
       </p:cxnSp>
-      <p:cxnSp>
-        <p:nvCxnSpPr>
-          <p:cNvPr id="37" name="Straight Arrow Connector 36">
-            <a:extLst>
-              <a:ext uri="{FF2B5EF4-FFF2-40B4-BE49-F238E27FC236}">
-                <a16:creationId xmlns:a16="http://schemas.microsoft.com/office/drawing/2014/main" id="{D03CDAD5-7C95-4FEF-8D64-15B6AF2FCFF4}"/>
-              </a:ext>
-            </a:extLst>
-          </p:cNvPr>
-          <p:cNvCxnSpPr>
-            <a:cxnSpLocks/>
-          </p:cNvCxnSpPr>
+      <p:pic>
+        <p:nvPicPr>
+          <p:cNvPr id="3" name="Picture 2" descr="Icon&#10;&#10;Description automatically generated">
+            <a:extLst>
+              <a:ext uri="{FF2B5EF4-FFF2-40B4-BE49-F238E27FC236}">
+                <a16:creationId xmlns:a16="http://schemas.microsoft.com/office/drawing/2014/main" id="{B2BDD25C-3784-4E33-977D-049C6C45E950}"/>
+              </a:ext>
+            </a:extLst>
+          </p:cNvPr>
+          <p:cNvPicPr>
+            <a:picLocks noChangeAspect="1"/>
+          </p:cNvPicPr>
           <p:nvPr/>
-        </p:nvCxnSpPr>
+        </p:nvPicPr>
+        <p:blipFill>
+          <a:blip r:embed="rId6">
+            <a:extLst>
+              <a:ext uri="{28A0092B-C50C-407E-A947-70E740481C1C}">
+                <a14:useLocalDpi xmlns:a14="http://schemas.microsoft.com/office/drawing/2010/main" val="0"/>
+              </a:ext>
+            </a:extLst>
+          </a:blip>
+          <a:stretch>
+            <a:fillRect/>
+          </a:stretch>
+        </p:blipFill>
         <p:spPr>
           <a:xfrm>
-            <a:off x="3420862" y="1258535"/>
-            <a:ext cx="848113" cy="0"/>
-          </a:xfrm>
-          <a:prstGeom prst="straightConnector1">
+            <a:off x="4945127" y="5397537"/>
+            <a:ext cx="884114" cy="1301317"/>
+          </a:xfrm>
+          <a:prstGeom prst="rect">
             <a:avLst/>
           </a:prstGeom>
-          <a:ln>
-            <a:tailEnd type="triangle"/>
-          </a:ln>
-        </p:spPr>
-        <p:style>
-          <a:lnRef idx="1">
-            <a:schemeClr val="accent2"/>
-          </a:lnRef>
-          <a:fillRef idx="0">
-            <a:schemeClr val="accent2"/>
-          </a:fillRef>
-          <a:effectRef idx="0">
-            <a:schemeClr val="accent2"/>
-          </a:effectRef>
-          <a:fontRef idx="minor">
-            <a:schemeClr val="tx1"/>
-          </a:fontRef>
-        </p:style>
-      </p:cxnSp>
-      <p:cxnSp>
-        <p:nvCxnSpPr>
-          <p:cNvPr id="41" name="Straight Arrow Connector 40">
-            <a:extLst>
-              <a:ext uri="{FF2B5EF4-FFF2-40B4-BE49-F238E27FC236}">
-                <a16:creationId xmlns:a16="http://schemas.microsoft.com/office/drawing/2014/main" id="{20484CAA-CA5A-43E2-8151-705478BDDB54}"/>
-              </a:ext>
-            </a:extLst>
-          </p:cNvPr>
-          <p:cNvCxnSpPr>
-            <a:cxnSpLocks/>
-          </p:cNvCxnSpPr>
+        </p:spPr>
+      </p:pic>
+      <p:pic>
+        <p:nvPicPr>
+          <p:cNvPr id="6" name="Picture 5" descr="A picture containing icon&#10;&#10;Description automatically generated">
+            <a:extLst>
+              <a:ext uri="{FF2B5EF4-FFF2-40B4-BE49-F238E27FC236}">
+                <a16:creationId xmlns:a16="http://schemas.microsoft.com/office/drawing/2014/main" id="{30EE10F5-6363-43B8-9D34-64F755BB91A9}"/>
+              </a:ext>
+            </a:extLst>
+          </p:cNvPr>
+          <p:cNvPicPr>
+            <a:picLocks noChangeAspect="1"/>
+          </p:cNvPicPr>
           <p:nvPr/>
-        </p:nvCxnSpPr>
+        </p:nvPicPr>
+        <p:blipFill>
+          <a:blip r:embed="rId7">
+            <a:extLst>
+              <a:ext uri="{28A0092B-C50C-407E-A947-70E740481C1C}">
+                <a14:useLocalDpi xmlns:a14="http://schemas.microsoft.com/office/drawing/2010/main" val="0"/>
+              </a:ext>
+            </a:extLst>
+          </a:blip>
+          <a:stretch>
+            <a:fillRect/>
+          </a:stretch>
+        </p:blipFill>
         <p:spPr>
           <a:xfrm>
-            <a:off x="6546424" y="950161"/>
-            <a:ext cx="709763" cy="0"/>
-          </a:xfrm>
-          <a:prstGeom prst="straightConnector1">
+            <a:off x="5728686" y="5638783"/>
+            <a:ext cx="841414" cy="1098990"/>
+          </a:xfrm>
+          <a:prstGeom prst="rect">
             <a:avLst/>
           </a:prstGeom>
-          <a:ln>
-            <a:tailEnd type="triangle"/>
-          </a:ln>
-        </p:spPr>
-        <p:style>
-          <a:lnRef idx="1">
-            <a:schemeClr val="accent2"/>
-          </a:lnRef>
-          <a:fillRef idx="0">
-            <a:schemeClr val="accent2"/>
-          </a:fillRef>
-          <a:effectRef idx="0">
-            <a:schemeClr val="accent2"/>
-          </a:effectRef>
-          <a:fontRef idx="minor">
-            <a:schemeClr val="tx1"/>
-          </a:fontRef>
-        </p:style>
-      </p:cxnSp>
-      <p:sp>
-        <p:nvSpPr>
-          <p:cNvPr id="24" name="TextBox 23">
-            <a:extLst>
-              <a:ext uri="{FF2B5EF4-FFF2-40B4-BE49-F238E27FC236}">
-                <a16:creationId xmlns:a16="http://schemas.microsoft.com/office/drawing/2014/main" id="{0DF1F8FC-C72B-4F51-A518-D273713973D1}"/>
-              </a:ext>
-            </a:extLst>
-          </p:cNvPr>
-          <p:cNvSpPr txBox="1"/>
+        </p:spPr>
+      </p:pic>
+      <p:pic>
+        <p:nvPicPr>
+          <p:cNvPr id="1026" name="Picture 2" descr="AWS S3 Bucket Icon (Page 7) - Line.17QQ.com">
+            <a:extLst>
+              <a:ext uri="{FF2B5EF4-FFF2-40B4-BE49-F238E27FC236}">
+                <a16:creationId xmlns:a16="http://schemas.microsoft.com/office/drawing/2014/main" id="{FA09D40D-0BF4-4B50-8D56-1558B6F57871}"/>
+              </a:ext>
+            </a:extLst>
+          </p:cNvPr>
+          <p:cNvPicPr>
+            <a:picLocks noChangeAspect="1" noChangeArrowheads="1"/>
+          </p:cNvPicPr>
           <p:nvPr/>
-        </p:nvSpPr>
-        <p:spPr>
+        </p:nvPicPr>
+        <p:blipFill>
+          <a:blip r:embed="rId8">
+            <a:extLst>
+              <a:ext uri="{28A0092B-C50C-407E-A947-70E740481C1C}">
+                <a14:useLocalDpi xmlns:a14="http://schemas.microsoft.com/office/drawing/2010/main" val="0"/>
+              </a:ext>
+            </a:extLst>
+          </a:blip>
+          <a:srcRect/>
+          <a:stretch>
+            <a:fillRect/>
+          </a:stretch>
+        </p:blipFill>
+        <p:spPr bwMode="auto">
           <a:xfrm>
-            <a:off x="6011790" y="2290573"/>
-            <a:ext cx="534634" cy="369332"/>
+            <a:off x="3923450" y="5551353"/>
+            <a:ext cx="674251" cy="674251"/>
           </a:xfrm>
           <a:prstGeom prst="rect">
             <a:avLst/>
           </a:prstGeom>
           <a:noFill/>
+          <a:extLst>
+            <a:ext uri="{909E8E84-426E-40DD-AFC4-6F175D3DCCD1}">
+              <a14:hiddenFill xmlns:a14="http://schemas.microsoft.com/office/drawing/2010/main">
+                <a:solidFill>
+                  <a:srgbClr val="FFFFFF"/>
+                </a:solidFill>
+              </a14:hiddenFill>
+            </a:ext>
+          </a:extLst>
+        </p:spPr>
+      </p:pic>
+      <p:sp>
+        <p:nvSpPr>
+          <p:cNvPr id="11" name="TextBox 10">
+            <a:extLst>
+              <a:ext uri="{FF2B5EF4-FFF2-40B4-BE49-F238E27FC236}">
+                <a16:creationId xmlns:a16="http://schemas.microsoft.com/office/drawing/2014/main" id="{4C275111-3C3F-43F8-BEC9-CBAF4ED1C47E}"/>
+              </a:ext>
+            </a:extLst>
+          </p:cNvPr>
+          <p:cNvSpPr txBox="1"/>
+          <p:nvPr/>
+        </p:nvSpPr>
+        <p:spPr>
+          <a:xfrm>
+            <a:off x="5684743" y="5177311"/>
+            <a:ext cx="1444498" cy="276999"/>
+          </a:xfrm>
+          <a:prstGeom prst="rect">
+            <a:avLst/>
+          </a:prstGeom>
+          <a:noFill/>
         </p:spPr>
         <p:txBody>
           <a:bodyPr wrap="none" rtlCol="0">
@@ -4597,16 +4423,170 @@
           <a:lstStyle/>
           <a:p>
             <a:r>
-              <a:rPr lang="en-IN" dirty="0"/>
-              <a:t>EC2</a:t>
-            </a:r>
-          </a:p>
-        </p:txBody>
-      </p:sp>
+              <a:rPr lang="en-IN" sz="1200" dirty="0">
+                <a:solidFill>
+                  <a:schemeClr val="accent2">
+                    <a:lumMod val="75000"/>
+                  </a:schemeClr>
+                </a:solidFill>
+              </a:rPr>
+              <a:t>Archival after 7 days</a:t>
+            </a:r>
+          </a:p>
+        </p:txBody>
+      </p:sp>
+      <p:pic>
+        <p:nvPicPr>
+          <p:cNvPr id="16" name="Picture 2" descr="Business Intelligence Services and Solutions Consulting Company">
+            <a:extLst>
+              <a:ext uri="{FF2B5EF4-FFF2-40B4-BE49-F238E27FC236}">
+                <a16:creationId xmlns:a16="http://schemas.microsoft.com/office/drawing/2014/main" id="{D617D610-0C15-48E9-87B0-1E215CF280F5}"/>
+              </a:ext>
+            </a:extLst>
+          </p:cNvPr>
+          <p:cNvPicPr>
+            <a:picLocks noChangeAspect="1" noChangeArrowheads="1"/>
+          </p:cNvPicPr>
+          <p:nvPr/>
+        </p:nvPicPr>
+        <p:blipFill>
+          <a:blip r:embed="rId9">
+            <a:extLst>
+              <a:ext uri="{28A0092B-C50C-407E-A947-70E740481C1C}">
+                <a14:useLocalDpi xmlns:a14="http://schemas.microsoft.com/office/drawing/2010/main" val="0"/>
+              </a:ext>
+            </a:extLst>
+          </a:blip>
+          <a:srcRect/>
+          <a:stretch>
+            <a:fillRect/>
+          </a:stretch>
+        </p:blipFill>
+        <p:spPr bwMode="auto">
+          <a:xfrm>
+            <a:off x="1065073" y="5288199"/>
+            <a:ext cx="1944827" cy="1301318"/>
+          </a:xfrm>
+          <a:prstGeom prst="rect">
+            <a:avLst/>
+          </a:prstGeom>
+          <a:noFill/>
+          <a:extLst>
+            <a:ext uri="{909E8E84-426E-40DD-AFC4-6F175D3DCCD1}">
+              <a14:hiddenFill xmlns:a14="http://schemas.microsoft.com/office/drawing/2010/main">
+                <a:solidFill>
+                  <a:srgbClr val="FFFFFF"/>
+                </a:solidFill>
+              </a14:hiddenFill>
+            </a:ext>
+          </a:extLst>
+        </p:spPr>
+      </p:pic>
     </p:spTree>
     <p:extLst>
       <p:ext uri="{BB962C8B-B14F-4D97-AF65-F5344CB8AC3E}">
         <p14:creationId xmlns:p14="http://schemas.microsoft.com/office/powerpoint/2010/main" val="3529736493"/>
+      </p:ext>
+    </p:extLst>
+  </p:cSld>
+  <p:clrMapOvr>
+    <a:masterClrMapping/>
+  </p:clrMapOvr>
+</p:sld>
+</file>
+
+<file path=ppt/slides/slide2.xml><?xml version="1.0" encoding="utf-8"?>
+<p:sld xmlns:a="http://schemas.openxmlformats.org/drawingml/2006/main" xmlns:r="http://schemas.openxmlformats.org/officeDocument/2006/relationships" xmlns:p="http://schemas.openxmlformats.org/presentationml/2006/main">
+  <p:cSld>
+    <p:spTree>
+      <p:nvGrpSpPr>
+        <p:cNvPr id="1" name=""/>
+        <p:cNvGrpSpPr/>
+        <p:nvPr/>
+      </p:nvGrpSpPr>
+      <p:grpSpPr>
+        <a:xfrm>
+          <a:off x="0" y="0"/>
+          <a:ext cx="0" cy="0"/>
+          <a:chOff x="0" y="0"/>
+          <a:chExt cx="0" cy="0"/>
+        </a:xfrm>
+      </p:grpSpPr>
+      <p:sp>
+        <p:nvSpPr>
+          <p:cNvPr id="2" name="Title 1">
+            <a:extLst>
+              <a:ext uri="{FF2B5EF4-FFF2-40B4-BE49-F238E27FC236}">
+                <a16:creationId xmlns:a16="http://schemas.microsoft.com/office/drawing/2014/main" id="{79CD5AA6-59E7-44FC-BBE1-B9286C823075}"/>
+              </a:ext>
+            </a:extLst>
+          </p:cNvPr>
+          <p:cNvSpPr>
+            <a:spLocks noGrp="1"/>
+          </p:cNvSpPr>
+          <p:nvPr>
+            <p:ph type="title"/>
+          </p:nvPr>
+        </p:nvSpPr>
+        <p:spPr/>
+        <p:txBody>
+          <a:bodyPr/>
+          <a:lstStyle/>
+          <a:p>
+            <a:r>
+              <a:rPr lang="en-IN" b="1" u="sng" dirty="0"/>
+              <a:t>Assumptions</a:t>
+            </a:r>
+          </a:p>
+        </p:txBody>
+      </p:sp>
+      <p:sp>
+        <p:nvSpPr>
+          <p:cNvPr id="3" name="Content Placeholder 2">
+            <a:extLst>
+              <a:ext uri="{FF2B5EF4-FFF2-40B4-BE49-F238E27FC236}">
+                <a16:creationId xmlns:a16="http://schemas.microsoft.com/office/drawing/2014/main" id="{8424FE3D-EE67-4A44-B2ED-968591E0AA78}"/>
+              </a:ext>
+            </a:extLst>
+          </p:cNvPr>
+          <p:cNvSpPr>
+            <a:spLocks noGrp="1"/>
+          </p:cNvSpPr>
+          <p:nvPr>
+            <p:ph idx="1"/>
+          </p:nvPr>
+        </p:nvSpPr>
+        <p:spPr/>
+        <p:txBody>
+          <a:bodyPr/>
+          <a:lstStyle/>
+          <a:p>
+            <a:r>
+              <a:rPr lang="en-IN" sz="2400" dirty="0"/>
+              <a:t>Assuming the Web Applications are Hosted on the AWS Cloud and the User Authentication is not being done by the Web App/Producer App-1</a:t>
+            </a:r>
+          </a:p>
+          <a:p>
+            <a:r>
+              <a:rPr lang="en-IN" sz="2400" dirty="0"/>
+              <a:t>As it is mentioned that there is already some code for Image processing, Assuming the Image Processing application is hosted on the AWS Cloud</a:t>
+            </a:r>
+          </a:p>
+          <a:p>
+            <a:r>
+              <a:rPr lang="en-IN" sz="2400" dirty="0"/>
+              <a:t> Assuming that the BI Application will be Hosted on the AWS Cloud </a:t>
+            </a:r>
+          </a:p>
+          <a:p>
+            <a:endParaRPr lang="en-IN" dirty="0"/>
+          </a:p>
+        </p:txBody>
+      </p:sp>
+    </p:spTree>
+    <p:extLst>
+      <p:ext uri="{BB962C8B-B14F-4D97-AF65-F5344CB8AC3E}">
+        <p14:creationId xmlns:p14="http://schemas.microsoft.com/office/powerpoint/2010/main" val="2979480723"/>
       </p:ext>
     </p:extLst>
   </p:cSld>
